--- a/ppt/02.모듈과 전역개체.pptx
+++ b/ppt/02.모듈과 전역개체.pptx
@@ -407,7 +407,7 @@
               <a:pPr>
                 <a:defRPr/>
               </a:pPr>
-              <a:t>2023-07-23</a:t>
+              <a:t>2023-07-24</a:t>
             </a:fld>
             <a:endParaRPr lang="ko-KR" altLang="en-US"/>
           </a:p>
@@ -23542,7 +23542,7 @@
             </a:r>
             <a:r>
               <a:rPr lang="en-US" altLang="ko-KR" sz="1800" b="0"/>
-              <a:t> vieew</a:t>
+              <a:t> view</a:t>
             </a:r>
             <a:endParaRPr lang="en-US" altLang="ko-KR" sz="1800" b="0" dirty="0"/>
           </a:p>
